--- a/ppt 16-9/0721.让我爱而不受感.pptx
+++ b/ppt 16-9/0721.让我爱而不受感.pptx
@@ -129,7 +129,7 @@
           <p:cNvPr id="2" name="标题 1">
             <a:extLst>
               <a:ext uri="{FF2B5EF4-FFF2-40B4-BE49-F238E27FC236}">
-                <a16:creationId xmlns:a16="http://schemas.microsoft.com/office/drawing/2014/main" id="{10672659-8140-ECE3-157C-D1B412B285B6}"/>
+                <a16:creationId xmlns:a16="http://schemas.microsoft.com/office/drawing/2014/main" id="{CDFF0562-2415-F1EF-1B4E-4A6197894FF1}"/>
               </a:ext>
             </a:extLst>
           </p:cNvPr>
@@ -166,7 +166,7 @@
           <p:cNvPr id="3" name="副标题 2">
             <a:extLst>
               <a:ext uri="{FF2B5EF4-FFF2-40B4-BE49-F238E27FC236}">
-                <a16:creationId xmlns:a16="http://schemas.microsoft.com/office/drawing/2014/main" id="{0A938CF9-B4E0-9662-C451-79F7A03DFB6B}"/>
+                <a16:creationId xmlns:a16="http://schemas.microsoft.com/office/drawing/2014/main" id="{E2821F7B-F12E-BA93-81EE-993F5FA1DE27}"/>
               </a:ext>
             </a:extLst>
           </p:cNvPr>
@@ -236,7 +236,7 @@
           <p:cNvPr id="4" name="日期占位符 3">
             <a:extLst>
               <a:ext uri="{FF2B5EF4-FFF2-40B4-BE49-F238E27FC236}">
-                <a16:creationId xmlns:a16="http://schemas.microsoft.com/office/drawing/2014/main" id="{937F58DF-9BC5-C96A-8018-B133781FA4FC}"/>
+                <a16:creationId xmlns:a16="http://schemas.microsoft.com/office/drawing/2014/main" id="{64A01F94-F1DA-8DA9-563C-31BE2BC33B65}"/>
               </a:ext>
             </a:extLst>
           </p:cNvPr>
@@ -252,7 +252,7 @@
           <a:bodyPr/>
           <a:lstStyle/>
           <a:p>
-            <a:fld id="{BFE63CEB-29A3-4F6A-9070-5F430FBB01CC}" type="datetimeFigureOut">
+            <a:fld id="{44E7D590-2C16-47A6-84A8-C2FEA553544A}" type="datetimeFigureOut">
               <a:rPr lang="zh-CN" altLang="en-US" smtClean="0"/>
               <a:t>2024/3/10</a:t>
             </a:fld>
@@ -265,7 +265,7 @@
           <p:cNvPr id="5" name="页脚占位符 4">
             <a:extLst>
               <a:ext uri="{FF2B5EF4-FFF2-40B4-BE49-F238E27FC236}">
-                <a16:creationId xmlns:a16="http://schemas.microsoft.com/office/drawing/2014/main" id="{DDDD0A9B-EA60-576F-9D8F-0ACF4134E824}"/>
+                <a16:creationId xmlns:a16="http://schemas.microsoft.com/office/drawing/2014/main" id="{15721344-B206-9C41-8CDF-306627E41C20}"/>
               </a:ext>
             </a:extLst>
           </p:cNvPr>
@@ -290,7 +290,7 @@
           <p:cNvPr id="6" name="灯片编号占位符 5">
             <a:extLst>
               <a:ext uri="{FF2B5EF4-FFF2-40B4-BE49-F238E27FC236}">
-                <a16:creationId xmlns:a16="http://schemas.microsoft.com/office/drawing/2014/main" id="{44EB4CEA-B5B6-BA21-2EBB-F827707264FC}"/>
+                <a16:creationId xmlns:a16="http://schemas.microsoft.com/office/drawing/2014/main" id="{DDF54792-43EB-E0DE-7A4B-616D40DDF31C}"/>
               </a:ext>
             </a:extLst>
           </p:cNvPr>
@@ -306,7 +306,7 @@
           <a:bodyPr/>
           <a:lstStyle/>
           <a:p>
-            <a:fld id="{B26AB1D2-FEE7-4D85-89A9-D89E573BCD5A}" type="slidenum">
+            <a:fld id="{AB5645B0-154C-4C21-B4DD-FB79E5A0F8DF}" type="slidenum">
               <a:rPr lang="zh-CN" altLang="en-US" smtClean="0"/>
               <a:t>‹#›</a:t>
             </a:fld>
@@ -317,7 +317,7 @@
     </p:spTree>
     <p:extLst>
       <p:ext uri="{BB962C8B-B14F-4D97-AF65-F5344CB8AC3E}">
-        <p14:creationId xmlns:p14="http://schemas.microsoft.com/office/powerpoint/2010/main" val="784311849"/>
+        <p14:creationId xmlns:p14="http://schemas.microsoft.com/office/powerpoint/2010/main" val="1832689464"/>
       </p:ext>
     </p:extLst>
   </p:cSld>
@@ -349,7 +349,7 @@
           <p:cNvPr id="2" name="标题 1">
             <a:extLst>
               <a:ext uri="{FF2B5EF4-FFF2-40B4-BE49-F238E27FC236}">
-                <a16:creationId xmlns:a16="http://schemas.microsoft.com/office/drawing/2014/main" id="{E768DE7D-A7BF-E20C-F7FD-95071B3CDF87}"/>
+                <a16:creationId xmlns:a16="http://schemas.microsoft.com/office/drawing/2014/main" id="{35F0E26A-F6B0-56A6-805A-D75A3531E876}"/>
               </a:ext>
             </a:extLst>
           </p:cNvPr>
@@ -377,7 +377,7 @@
           <p:cNvPr id="3" name="竖排文字占位符 2">
             <a:extLst>
               <a:ext uri="{FF2B5EF4-FFF2-40B4-BE49-F238E27FC236}">
-                <a16:creationId xmlns:a16="http://schemas.microsoft.com/office/drawing/2014/main" id="{DD3F102C-CB3D-2A14-3111-B8A92DEC4E22}"/>
+                <a16:creationId xmlns:a16="http://schemas.microsoft.com/office/drawing/2014/main" id="{140F2087-3A05-F43E-3447-800EF1AE4C85}"/>
               </a:ext>
             </a:extLst>
           </p:cNvPr>
@@ -434,7 +434,7 @@
           <p:cNvPr id="4" name="日期占位符 3">
             <a:extLst>
               <a:ext uri="{FF2B5EF4-FFF2-40B4-BE49-F238E27FC236}">
-                <a16:creationId xmlns:a16="http://schemas.microsoft.com/office/drawing/2014/main" id="{224562FE-CE47-5C9A-764D-1F6FE7AFE576}"/>
+                <a16:creationId xmlns:a16="http://schemas.microsoft.com/office/drawing/2014/main" id="{2178A548-2C78-E2B5-EA1A-9BEFD1A631C9}"/>
               </a:ext>
             </a:extLst>
           </p:cNvPr>
@@ -450,7 +450,7 @@
           <a:bodyPr/>
           <a:lstStyle/>
           <a:p>
-            <a:fld id="{BFE63CEB-29A3-4F6A-9070-5F430FBB01CC}" type="datetimeFigureOut">
+            <a:fld id="{44E7D590-2C16-47A6-84A8-C2FEA553544A}" type="datetimeFigureOut">
               <a:rPr lang="zh-CN" altLang="en-US" smtClean="0"/>
               <a:t>2024/3/10</a:t>
             </a:fld>
@@ -463,7 +463,7 @@
           <p:cNvPr id="5" name="页脚占位符 4">
             <a:extLst>
               <a:ext uri="{FF2B5EF4-FFF2-40B4-BE49-F238E27FC236}">
-                <a16:creationId xmlns:a16="http://schemas.microsoft.com/office/drawing/2014/main" id="{0C147B1D-D431-4E02-2EEF-FCCC51D48C2A}"/>
+                <a16:creationId xmlns:a16="http://schemas.microsoft.com/office/drawing/2014/main" id="{97A11B12-411C-C2D2-6C65-E1F2DC64CA14}"/>
               </a:ext>
             </a:extLst>
           </p:cNvPr>
@@ -488,7 +488,7 @@
           <p:cNvPr id="6" name="灯片编号占位符 5">
             <a:extLst>
               <a:ext uri="{FF2B5EF4-FFF2-40B4-BE49-F238E27FC236}">
-                <a16:creationId xmlns:a16="http://schemas.microsoft.com/office/drawing/2014/main" id="{AA5893CC-F630-25DB-FFDA-C3D33AB201BD}"/>
+                <a16:creationId xmlns:a16="http://schemas.microsoft.com/office/drawing/2014/main" id="{0A38DC8B-0B86-45E2-52D4-782D48711729}"/>
               </a:ext>
             </a:extLst>
           </p:cNvPr>
@@ -504,7 +504,7 @@
           <a:bodyPr/>
           <a:lstStyle/>
           <a:p>
-            <a:fld id="{B26AB1D2-FEE7-4D85-89A9-D89E573BCD5A}" type="slidenum">
+            <a:fld id="{AB5645B0-154C-4C21-B4DD-FB79E5A0F8DF}" type="slidenum">
               <a:rPr lang="zh-CN" altLang="en-US" smtClean="0"/>
               <a:t>‹#›</a:t>
             </a:fld>
@@ -515,7 +515,7 @@
     </p:spTree>
     <p:extLst>
       <p:ext uri="{BB962C8B-B14F-4D97-AF65-F5344CB8AC3E}">
-        <p14:creationId xmlns:p14="http://schemas.microsoft.com/office/powerpoint/2010/main" val="1393330813"/>
+        <p14:creationId xmlns:p14="http://schemas.microsoft.com/office/powerpoint/2010/main" val="1502553296"/>
       </p:ext>
     </p:extLst>
   </p:cSld>
@@ -547,7 +547,7 @@
           <p:cNvPr id="2" name="竖排标题 1">
             <a:extLst>
               <a:ext uri="{FF2B5EF4-FFF2-40B4-BE49-F238E27FC236}">
-                <a16:creationId xmlns:a16="http://schemas.microsoft.com/office/drawing/2014/main" id="{1AC80ECD-56A9-EB31-3117-EEBA76F34E0B}"/>
+                <a16:creationId xmlns:a16="http://schemas.microsoft.com/office/drawing/2014/main" id="{6F4D2043-A068-77A2-BA31-9B3736643D85}"/>
               </a:ext>
             </a:extLst>
           </p:cNvPr>
@@ -580,7 +580,7 @@
           <p:cNvPr id="3" name="竖排文字占位符 2">
             <a:extLst>
               <a:ext uri="{FF2B5EF4-FFF2-40B4-BE49-F238E27FC236}">
-                <a16:creationId xmlns:a16="http://schemas.microsoft.com/office/drawing/2014/main" id="{B3FD8D0B-CEE4-337F-BBB0-7A813B29E72C}"/>
+                <a16:creationId xmlns:a16="http://schemas.microsoft.com/office/drawing/2014/main" id="{5B1821B0-9853-ECA9-FDDF-DD286E39BD01}"/>
               </a:ext>
             </a:extLst>
           </p:cNvPr>
@@ -642,7 +642,7 @@
           <p:cNvPr id="4" name="日期占位符 3">
             <a:extLst>
               <a:ext uri="{FF2B5EF4-FFF2-40B4-BE49-F238E27FC236}">
-                <a16:creationId xmlns:a16="http://schemas.microsoft.com/office/drawing/2014/main" id="{2814C497-679D-A371-8939-24E5A9076178}"/>
+                <a16:creationId xmlns:a16="http://schemas.microsoft.com/office/drawing/2014/main" id="{B5BD26A5-3FDB-82E9-FA37-48B0448E2A1A}"/>
               </a:ext>
             </a:extLst>
           </p:cNvPr>
@@ -658,7 +658,7 @@
           <a:bodyPr/>
           <a:lstStyle/>
           <a:p>
-            <a:fld id="{BFE63CEB-29A3-4F6A-9070-5F430FBB01CC}" type="datetimeFigureOut">
+            <a:fld id="{44E7D590-2C16-47A6-84A8-C2FEA553544A}" type="datetimeFigureOut">
               <a:rPr lang="zh-CN" altLang="en-US" smtClean="0"/>
               <a:t>2024/3/10</a:t>
             </a:fld>
@@ -671,7 +671,7 @@
           <p:cNvPr id="5" name="页脚占位符 4">
             <a:extLst>
               <a:ext uri="{FF2B5EF4-FFF2-40B4-BE49-F238E27FC236}">
-                <a16:creationId xmlns:a16="http://schemas.microsoft.com/office/drawing/2014/main" id="{B7AEB80C-70E9-6443-ECE1-95F03E10AF2C}"/>
+                <a16:creationId xmlns:a16="http://schemas.microsoft.com/office/drawing/2014/main" id="{B3BFD066-33CE-0837-407A-6A965AFAD74C}"/>
               </a:ext>
             </a:extLst>
           </p:cNvPr>
@@ -696,7 +696,7 @@
           <p:cNvPr id="6" name="灯片编号占位符 5">
             <a:extLst>
               <a:ext uri="{FF2B5EF4-FFF2-40B4-BE49-F238E27FC236}">
-                <a16:creationId xmlns:a16="http://schemas.microsoft.com/office/drawing/2014/main" id="{73CC28DF-05D7-1FE6-0883-2CFCD746DCBA}"/>
+                <a16:creationId xmlns:a16="http://schemas.microsoft.com/office/drawing/2014/main" id="{BFB060CF-1D76-9009-9E9D-D94D8C0E3FD6}"/>
               </a:ext>
             </a:extLst>
           </p:cNvPr>
@@ -712,7 +712,7 @@
           <a:bodyPr/>
           <a:lstStyle/>
           <a:p>
-            <a:fld id="{B26AB1D2-FEE7-4D85-89A9-D89E573BCD5A}" type="slidenum">
+            <a:fld id="{AB5645B0-154C-4C21-B4DD-FB79E5A0F8DF}" type="slidenum">
               <a:rPr lang="zh-CN" altLang="en-US" smtClean="0"/>
               <a:t>‹#›</a:t>
             </a:fld>
@@ -723,7 +723,7 @@
     </p:spTree>
     <p:extLst>
       <p:ext uri="{BB962C8B-B14F-4D97-AF65-F5344CB8AC3E}">
-        <p14:creationId xmlns:p14="http://schemas.microsoft.com/office/powerpoint/2010/main" val="2741648414"/>
+        <p14:creationId xmlns:p14="http://schemas.microsoft.com/office/powerpoint/2010/main" val="2837007002"/>
       </p:ext>
     </p:extLst>
   </p:cSld>
@@ -755,7 +755,7 @@
           <p:cNvPr id="2" name="标题 1">
             <a:extLst>
               <a:ext uri="{FF2B5EF4-FFF2-40B4-BE49-F238E27FC236}">
-                <a16:creationId xmlns:a16="http://schemas.microsoft.com/office/drawing/2014/main" id="{3366BD50-61E4-6A5F-222A-AE058B7A8E64}"/>
+                <a16:creationId xmlns:a16="http://schemas.microsoft.com/office/drawing/2014/main" id="{27A94A49-1054-F239-FCFC-02A8A9ACB11C}"/>
               </a:ext>
             </a:extLst>
           </p:cNvPr>
@@ -783,7 +783,7 @@
           <p:cNvPr id="3" name="内容占位符 2">
             <a:extLst>
               <a:ext uri="{FF2B5EF4-FFF2-40B4-BE49-F238E27FC236}">
-                <a16:creationId xmlns:a16="http://schemas.microsoft.com/office/drawing/2014/main" id="{21D99CD2-7F9B-98AF-231C-62E9F83E9368}"/>
+                <a16:creationId xmlns:a16="http://schemas.microsoft.com/office/drawing/2014/main" id="{63AA2583-F58F-E32B-9739-FC8FC01E07E4}"/>
               </a:ext>
             </a:extLst>
           </p:cNvPr>
@@ -840,7 +840,7 @@
           <p:cNvPr id="4" name="日期占位符 3">
             <a:extLst>
               <a:ext uri="{FF2B5EF4-FFF2-40B4-BE49-F238E27FC236}">
-                <a16:creationId xmlns:a16="http://schemas.microsoft.com/office/drawing/2014/main" id="{4D33BECC-5922-5350-E033-912CBB47E653}"/>
+                <a16:creationId xmlns:a16="http://schemas.microsoft.com/office/drawing/2014/main" id="{941DE630-8C5C-E4CF-D0C5-8DF5BDDA6C8C}"/>
               </a:ext>
             </a:extLst>
           </p:cNvPr>
@@ -856,7 +856,7 @@
           <a:bodyPr/>
           <a:lstStyle/>
           <a:p>
-            <a:fld id="{BFE63CEB-29A3-4F6A-9070-5F430FBB01CC}" type="datetimeFigureOut">
+            <a:fld id="{44E7D590-2C16-47A6-84A8-C2FEA553544A}" type="datetimeFigureOut">
               <a:rPr lang="zh-CN" altLang="en-US" smtClean="0"/>
               <a:t>2024/3/10</a:t>
             </a:fld>
@@ -869,7 +869,7 @@
           <p:cNvPr id="5" name="页脚占位符 4">
             <a:extLst>
               <a:ext uri="{FF2B5EF4-FFF2-40B4-BE49-F238E27FC236}">
-                <a16:creationId xmlns:a16="http://schemas.microsoft.com/office/drawing/2014/main" id="{261672F3-B644-D339-CDAB-D46D092CA769}"/>
+                <a16:creationId xmlns:a16="http://schemas.microsoft.com/office/drawing/2014/main" id="{FFF3C4FB-950F-517B-B692-ECCED91D60C3}"/>
               </a:ext>
             </a:extLst>
           </p:cNvPr>
@@ -894,7 +894,7 @@
           <p:cNvPr id="6" name="灯片编号占位符 5">
             <a:extLst>
               <a:ext uri="{FF2B5EF4-FFF2-40B4-BE49-F238E27FC236}">
-                <a16:creationId xmlns:a16="http://schemas.microsoft.com/office/drawing/2014/main" id="{F0FFB085-47D5-7058-EDD1-97198AA0B9DE}"/>
+                <a16:creationId xmlns:a16="http://schemas.microsoft.com/office/drawing/2014/main" id="{EB79CD9C-A023-96AF-31B6-811CACB2F293}"/>
               </a:ext>
             </a:extLst>
           </p:cNvPr>
@@ -910,7 +910,7 @@
           <a:bodyPr/>
           <a:lstStyle/>
           <a:p>
-            <a:fld id="{B26AB1D2-FEE7-4D85-89A9-D89E573BCD5A}" type="slidenum">
+            <a:fld id="{AB5645B0-154C-4C21-B4DD-FB79E5A0F8DF}" type="slidenum">
               <a:rPr lang="zh-CN" altLang="en-US" smtClean="0"/>
               <a:t>‹#›</a:t>
             </a:fld>
@@ -921,7 +921,7 @@
     </p:spTree>
     <p:extLst>
       <p:ext uri="{BB962C8B-B14F-4D97-AF65-F5344CB8AC3E}">
-        <p14:creationId xmlns:p14="http://schemas.microsoft.com/office/powerpoint/2010/main" val="194805271"/>
+        <p14:creationId xmlns:p14="http://schemas.microsoft.com/office/powerpoint/2010/main" val="1374106987"/>
       </p:ext>
     </p:extLst>
   </p:cSld>
@@ -953,7 +953,7 @@
           <p:cNvPr id="2" name="标题 1">
             <a:extLst>
               <a:ext uri="{FF2B5EF4-FFF2-40B4-BE49-F238E27FC236}">
-                <a16:creationId xmlns:a16="http://schemas.microsoft.com/office/drawing/2014/main" id="{D5C9A640-7664-7142-C411-95928D9A0750}"/>
+                <a16:creationId xmlns:a16="http://schemas.microsoft.com/office/drawing/2014/main" id="{F4FCAA2A-4F32-46DD-C523-8393D18DE890}"/>
               </a:ext>
             </a:extLst>
           </p:cNvPr>
@@ -990,7 +990,7 @@
           <p:cNvPr id="3" name="文本占位符 2">
             <a:extLst>
               <a:ext uri="{FF2B5EF4-FFF2-40B4-BE49-F238E27FC236}">
-                <a16:creationId xmlns:a16="http://schemas.microsoft.com/office/drawing/2014/main" id="{E3F5C1DA-F78D-1A97-0168-99C6596CE8FB}"/>
+                <a16:creationId xmlns:a16="http://schemas.microsoft.com/office/drawing/2014/main" id="{E4A7DC21-49A4-4086-B222-F28E1BD0838C}"/>
               </a:ext>
             </a:extLst>
           </p:cNvPr>
@@ -1115,7 +1115,7 @@
           <p:cNvPr id="4" name="日期占位符 3">
             <a:extLst>
               <a:ext uri="{FF2B5EF4-FFF2-40B4-BE49-F238E27FC236}">
-                <a16:creationId xmlns:a16="http://schemas.microsoft.com/office/drawing/2014/main" id="{5CE80D66-9141-2219-2ACC-5A3D3FEF03C5}"/>
+                <a16:creationId xmlns:a16="http://schemas.microsoft.com/office/drawing/2014/main" id="{2F2867FF-1265-D269-0C65-A2462AE5B4C9}"/>
               </a:ext>
             </a:extLst>
           </p:cNvPr>
@@ -1131,7 +1131,7 @@
           <a:bodyPr/>
           <a:lstStyle/>
           <a:p>
-            <a:fld id="{BFE63CEB-29A3-4F6A-9070-5F430FBB01CC}" type="datetimeFigureOut">
+            <a:fld id="{44E7D590-2C16-47A6-84A8-C2FEA553544A}" type="datetimeFigureOut">
               <a:rPr lang="zh-CN" altLang="en-US" smtClean="0"/>
               <a:t>2024/3/10</a:t>
             </a:fld>
@@ -1144,7 +1144,7 @@
           <p:cNvPr id="5" name="页脚占位符 4">
             <a:extLst>
               <a:ext uri="{FF2B5EF4-FFF2-40B4-BE49-F238E27FC236}">
-                <a16:creationId xmlns:a16="http://schemas.microsoft.com/office/drawing/2014/main" id="{C773483A-8B94-32D2-5B0C-8E0590A490A9}"/>
+                <a16:creationId xmlns:a16="http://schemas.microsoft.com/office/drawing/2014/main" id="{26B69A6D-F9C3-FF8B-ACD7-B472E72A7BC2}"/>
               </a:ext>
             </a:extLst>
           </p:cNvPr>
@@ -1169,7 +1169,7 @@
           <p:cNvPr id="6" name="灯片编号占位符 5">
             <a:extLst>
               <a:ext uri="{FF2B5EF4-FFF2-40B4-BE49-F238E27FC236}">
-                <a16:creationId xmlns:a16="http://schemas.microsoft.com/office/drawing/2014/main" id="{E2C0A0A0-0C78-C973-1EFF-5033057B44C4}"/>
+                <a16:creationId xmlns:a16="http://schemas.microsoft.com/office/drawing/2014/main" id="{918BBE8C-A404-5BE0-C256-037D7DB38B5C}"/>
               </a:ext>
             </a:extLst>
           </p:cNvPr>
@@ -1185,7 +1185,7 @@
           <a:bodyPr/>
           <a:lstStyle/>
           <a:p>
-            <a:fld id="{B26AB1D2-FEE7-4D85-89A9-D89E573BCD5A}" type="slidenum">
+            <a:fld id="{AB5645B0-154C-4C21-B4DD-FB79E5A0F8DF}" type="slidenum">
               <a:rPr lang="zh-CN" altLang="en-US" smtClean="0"/>
               <a:t>‹#›</a:t>
             </a:fld>
@@ -1196,7 +1196,7 @@
     </p:spTree>
     <p:extLst>
       <p:ext uri="{BB962C8B-B14F-4D97-AF65-F5344CB8AC3E}">
-        <p14:creationId xmlns:p14="http://schemas.microsoft.com/office/powerpoint/2010/main" val="855677551"/>
+        <p14:creationId xmlns:p14="http://schemas.microsoft.com/office/powerpoint/2010/main" val="1617432901"/>
       </p:ext>
     </p:extLst>
   </p:cSld>
@@ -1228,7 +1228,7 @@
           <p:cNvPr id="2" name="标题 1">
             <a:extLst>
               <a:ext uri="{FF2B5EF4-FFF2-40B4-BE49-F238E27FC236}">
-                <a16:creationId xmlns:a16="http://schemas.microsoft.com/office/drawing/2014/main" id="{7A8C1015-716E-891B-5091-728A8B62891B}"/>
+                <a16:creationId xmlns:a16="http://schemas.microsoft.com/office/drawing/2014/main" id="{2F2D2D43-042E-F8E2-66B8-31FB74944FE3}"/>
               </a:ext>
             </a:extLst>
           </p:cNvPr>
@@ -1256,7 +1256,7 @@
           <p:cNvPr id="3" name="内容占位符 2">
             <a:extLst>
               <a:ext uri="{FF2B5EF4-FFF2-40B4-BE49-F238E27FC236}">
-                <a16:creationId xmlns:a16="http://schemas.microsoft.com/office/drawing/2014/main" id="{CCA0E13D-2929-2684-02CF-155427D93192}"/>
+                <a16:creationId xmlns:a16="http://schemas.microsoft.com/office/drawing/2014/main" id="{E9800F46-7F33-756A-8221-7C8DDD230FD4}"/>
               </a:ext>
             </a:extLst>
           </p:cNvPr>
@@ -1318,7 +1318,7 @@
           <p:cNvPr id="4" name="内容占位符 3">
             <a:extLst>
               <a:ext uri="{FF2B5EF4-FFF2-40B4-BE49-F238E27FC236}">
-                <a16:creationId xmlns:a16="http://schemas.microsoft.com/office/drawing/2014/main" id="{E952F658-1485-CE47-0CF4-FA5840779B49}"/>
+                <a16:creationId xmlns:a16="http://schemas.microsoft.com/office/drawing/2014/main" id="{54A93092-0113-820C-C9B4-0C65B581E413}"/>
               </a:ext>
             </a:extLst>
           </p:cNvPr>
@@ -1380,7 +1380,7 @@
           <p:cNvPr id="5" name="日期占位符 4">
             <a:extLst>
               <a:ext uri="{FF2B5EF4-FFF2-40B4-BE49-F238E27FC236}">
-                <a16:creationId xmlns:a16="http://schemas.microsoft.com/office/drawing/2014/main" id="{BB4618CD-720A-F5DF-8974-243F2E61140E}"/>
+                <a16:creationId xmlns:a16="http://schemas.microsoft.com/office/drawing/2014/main" id="{3AF34A19-3154-7180-3DF1-4C2CF5C45B33}"/>
               </a:ext>
             </a:extLst>
           </p:cNvPr>
@@ -1396,7 +1396,7 @@
           <a:bodyPr/>
           <a:lstStyle/>
           <a:p>
-            <a:fld id="{BFE63CEB-29A3-4F6A-9070-5F430FBB01CC}" type="datetimeFigureOut">
+            <a:fld id="{44E7D590-2C16-47A6-84A8-C2FEA553544A}" type="datetimeFigureOut">
               <a:rPr lang="zh-CN" altLang="en-US" smtClean="0"/>
               <a:t>2024/3/10</a:t>
             </a:fld>
@@ -1409,7 +1409,7 @@
           <p:cNvPr id="6" name="页脚占位符 5">
             <a:extLst>
               <a:ext uri="{FF2B5EF4-FFF2-40B4-BE49-F238E27FC236}">
-                <a16:creationId xmlns:a16="http://schemas.microsoft.com/office/drawing/2014/main" id="{832E3A0A-3DBA-785E-3C36-9B0E03BCCF85}"/>
+                <a16:creationId xmlns:a16="http://schemas.microsoft.com/office/drawing/2014/main" id="{7161FBE3-4F0F-30AE-B735-3732B71CADD5}"/>
               </a:ext>
             </a:extLst>
           </p:cNvPr>
@@ -1434,7 +1434,7 @@
           <p:cNvPr id="7" name="灯片编号占位符 6">
             <a:extLst>
               <a:ext uri="{FF2B5EF4-FFF2-40B4-BE49-F238E27FC236}">
-                <a16:creationId xmlns:a16="http://schemas.microsoft.com/office/drawing/2014/main" id="{C41A4A17-FA58-746C-2D97-1E796AFFE5FF}"/>
+                <a16:creationId xmlns:a16="http://schemas.microsoft.com/office/drawing/2014/main" id="{46D8178B-9B3D-DCDA-C66D-DDBF4EFD37BF}"/>
               </a:ext>
             </a:extLst>
           </p:cNvPr>
@@ -1450,7 +1450,7 @@
           <a:bodyPr/>
           <a:lstStyle/>
           <a:p>
-            <a:fld id="{B26AB1D2-FEE7-4D85-89A9-D89E573BCD5A}" type="slidenum">
+            <a:fld id="{AB5645B0-154C-4C21-B4DD-FB79E5A0F8DF}" type="slidenum">
               <a:rPr lang="zh-CN" altLang="en-US" smtClean="0"/>
               <a:t>‹#›</a:t>
             </a:fld>
@@ -1461,7 +1461,7 @@
     </p:spTree>
     <p:extLst>
       <p:ext uri="{BB962C8B-B14F-4D97-AF65-F5344CB8AC3E}">
-        <p14:creationId xmlns:p14="http://schemas.microsoft.com/office/powerpoint/2010/main" val="2137795415"/>
+        <p14:creationId xmlns:p14="http://schemas.microsoft.com/office/powerpoint/2010/main" val="3319897225"/>
       </p:ext>
     </p:extLst>
   </p:cSld>
@@ -1493,7 +1493,7 @@
           <p:cNvPr id="2" name="标题 1">
             <a:extLst>
               <a:ext uri="{FF2B5EF4-FFF2-40B4-BE49-F238E27FC236}">
-                <a16:creationId xmlns:a16="http://schemas.microsoft.com/office/drawing/2014/main" id="{7B4E62CB-50B7-91F3-FA28-1FFFAF80F9D6}"/>
+                <a16:creationId xmlns:a16="http://schemas.microsoft.com/office/drawing/2014/main" id="{4116D907-20E8-78FB-48E1-562D0E9F155F}"/>
               </a:ext>
             </a:extLst>
           </p:cNvPr>
@@ -1526,7 +1526,7 @@
           <p:cNvPr id="3" name="文本占位符 2">
             <a:extLst>
               <a:ext uri="{FF2B5EF4-FFF2-40B4-BE49-F238E27FC236}">
-                <a16:creationId xmlns:a16="http://schemas.microsoft.com/office/drawing/2014/main" id="{AC68B894-0135-7265-B92B-6EED19BA3081}"/>
+                <a16:creationId xmlns:a16="http://schemas.microsoft.com/office/drawing/2014/main" id="{9F0991BD-A316-CC93-C680-BA3DB2E02FF7}"/>
               </a:ext>
             </a:extLst>
           </p:cNvPr>
@@ -1597,7 +1597,7 @@
           <p:cNvPr id="4" name="内容占位符 3">
             <a:extLst>
               <a:ext uri="{FF2B5EF4-FFF2-40B4-BE49-F238E27FC236}">
-                <a16:creationId xmlns:a16="http://schemas.microsoft.com/office/drawing/2014/main" id="{A212CDAF-2384-13F3-23A5-99E637F67688}"/>
+                <a16:creationId xmlns:a16="http://schemas.microsoft.com/office/drawing/2014/main" id="{D8E165C6-BDF8-BD09-D740-2FA49E63C73E}"/>
               </a:ext>
             </a:extLst>
           </p:cNvPr>
@@ -1659,7 +1659,7 @@
           <p:cNvPr id="5" name="文本占位符 4">
             <a:extLst>
               <a:ext uri="{FF2B5EF4-FFF2-40B4-BE49-F238E27FC236}">
-                <a16:creationId xmlns:a16="http://schemas.microsoft.com/office/drawing/2014/main" id="{B18E9571-4E4D-FCE3-163B-50A03F75E5F0}"/>
+                <a16:creationId xmlns:a16="http://schemas.microsoft.com/office/drawing/2014/main" id="{1EBD01E7-4F5A-4EC3-F981-795E0D38C31E}"/>
               </a:ext>
             </a:extLst>
           </p:cNvPr>
@@ -1730,7 +1730,7 @@
           <p:cNvPr id="6" name="内容占位符 5">
             <a:extLst>
               <a:ext uri="{FF2B5EF4-FFF2-40B4-BE49-F238E27FC236}">
-                <a16:creationId xmlns:a16="http://schemas.microsoft.com/office/drawing/2014/main" id="{535E208E-957E-E7EB-A435-5B8C2F01CF5E}"/>
+                <a16:creationId xmlns:a16="http://schemas.microsoft.com/office/drawing/2014/main" id="{978E6537-622B-10DD-C1DB-8C8113C5E2A4}"/>
               </a:ext>
             </a:extLst>
           </p:cNvPr>
@@ -1792,7 +1792,7 @@
           <p:cNvPr id="7" name="日期占位符 6">
             <a:extLst>
               <a:ext uri="{FF2B5EF4-FFF2-40B4-BE49-F238E27FC236}">
-                <a16:creationId xmlns:a16="http://schemas.microsoft.com/office/drawing/2014/main" id="{15898BA9-F079-3F09-FA6E-43485C783CB8}"/>
+                <a16:creationId xmlns:a16="http://schemas.microsoft.com/office/drawing/2014/main" id="{F24C0E45-D0B3-A290-3576-574D82BB0656}"/>
               </a:ext>
             </a:extLst>
           </p:cNvPr>
@@ -1808,7 +1808,7 @@
           <a:bodyPr/>
           <a:lstStyle/>
           <a:p>
-            <a:fld id="{BFE63CEB-29A3-4F6A-9070-5F430FBB01CC}" type="datetimeFigureOut">
+            <a:fld id="{44E7D590-2C16-47A6-84A8-C2FEA553544A}" type="datetimeFigureOut">
               <a:rPr lang="zh-CN" altLang="en-US" smtClean="0"/>
               <a:t>2024/3/10</a:t>
             </a:fld>
@@ -1821,7 +1821,7 @@
           <p:cNvPr id="8" name="页脚占位符 7">
             <a:extLst>
               <a:ext uri="{FF2B5EF4-FFF2-40B4-BE49-F238E27FC236}">
-                <a16:creationId xmlns:a16="http://schemas.microsoft.com/office/drawing/2014/main" id="{7E837FD2-1DDC-5743-0FE6-79F80E06D292}"/>
+                <a16:creationId xmlns:a16="http://schemas.microsoft.com/office/drawing/2014/main" id="{7F710CEB-0DA8-FE47-E36C-1D73F60151A3}"/>
               </a:ext>
             </a:extLst>
           </p:cNvPr>
@@ -1846,7 +1846,7 @@
           <p:cNvPr id="9" name="灯片编号占位符 8">
             <a:extLst>
               <a:ext uri="{FF2B5EF4-FFF2-40B4-BE49-F238E27FC236}">
-                <a16:creationId xmlns:a16="http://schemas.microsoft.com/office/drawing/2014/main" id="{5FF42790-9C63-3297-C06B-A309AAB6ECCC}"/>
+                <a16:creationId xmlns:a16="http://schemas.microsoft.com/office/drawing/2014/main" id="{FEC3F3DB-5672-4D35-B6FA-6145C0028244}"/>
               </a:ext>
             </a:extLst>
           </p:cNvPr>
@@ -1862,7 +1862,7 @@
           <a:bodyPr/>
           <a:lstStyle/>
           <a:p>
-            <a:fld id="{B26AB1D2-FEE7-4D85-89A9-D89E573BCD5A}" type="slidenum">
+            <a:fld id="{AB5645B0-154C-4C21-B4DD-FB79E5A0F8DF}" type="slidenum">
               <a:rPr lang="zh-CN" altLang="en-US" smtClean="0"/>
               <a:t>‹#›</a:t>
             </a:fld>
@@ -1873,7 +1873,7 @@
     </p:spTree>
     <p:extLst>
       <p:ext uri="{BB962C8B-B14F-4D97-AF65-F5344CB8AC3E}">
-        <p14:creationId xmlns:p14="http://schemas.microsoft.com/office/powerpoint/2010/main" val="3660898346"/>
+        <p14:creationId xmlns:p14="http://schemas.microsoft.com/office/powerpoint/2010/main" val="1544493768"/>
       </p:ext>
     </p:extLst>
   </p:cSld>
@@ -1905,7 +1905,7 @@
           <p:cNvPr id="2" name="标题 1">
             <a:extLst>
               <a:ext uri="{FF2B5EF4-FFF2-40B4-BE49-F238E27FC236}">
-                <a16:creationId xmlns:a16="http://schemas.microsoft.com/office/drawing/2014/main" id="{17937684-BF4B-60BF-46E2-9465B714649B}"/>
+                <a16:creationId xmlns:a16="http://schemas.microsoft.com/office/drawing/2014/main" id="{C4C7008F-F774-2114-5B55-54DB328F526C}"/>
               </a:ext>
             </a:extLst>
           </p:cNvPr>
@@ -1933,7 +1933,7 @@
           <p:cNvPr id="3" name="日期占位符 2">
             <a:extLst>
               <a:ext uri="{FF2B5EF4-FFF2-40B4-BE49-F238E27FC236}">
-                <a16:creationId xmlns:a16="http://schemas.microsoft.com/office/drawing/2014/main" id="{45D264DD-DE86-9118-7831-8E15F08F8293}"/>
+                <a16:creationId xmlns:a16="http://schemas.microsoft.com/office/drawing/2014/main" id="{69A1D0C7-A9B2-DCCB-DC69-B53CBF924F29}"/>
               </a:ext>
             </a:extLst>
           </p:cNvPr>
@@ -1949,7 +1949,7 @@
           <a:bodyPr/>
           <a:lstStyle/>
           <a:p>
-            <a:fld id="{BFE63CEB-29A3-4F6A-9070-5F430FBB01CC}" type="datetimeFigureOut">
+            <a:fld id="{44E7D590-2C16-47A6-84A8-C2FEA553544A}" type="datetimeFigureOut">
               <a:rPr lang="zh-CN" altLang="en-US" smtClean="0"/>
               <a:t>2024/3/10</a:t>
             </a:fld>
@@ -1962,7 +1962,7 @@
           <p:cNvPr id="4" name="页脚占位符 3">
             <a:extLst>
               <a:ext uri="{FF2B5EF4-FFF2-40B4-BE49-F238E27FC236}">
-                <a16:creationId xmlns:a16="http://schemas.microsoft.com/office/drawing/2014/main" id="{B32C5C29-6896-012C-9A34-DF78E5E9125C}"/>
+                <a16:creationId xmlns:a16="http://schemas.microsoft.com/office/drawing/2014/main" id="{7E200F7D-4313-02A3-B062-CC34E82BDB51}"/>
               </a:ext>
             </a:extLst>
           </p:cNvPr>
@@ -1987,7 +1987,7 @@
           <p:cNvPr id="5" name="灯片编号占位符 4">
             <a:extLst>
               <a:ext uri="{FF2B5EF4-FFF2-40B4-BE49-F238E27FC236}">
-                <a16:creationId xmlns:a16="http://schemas.microsoft.com/office/drawing/2014/main" id="{FA83FE2A-0DD0-8305-0B4E-297769C0ACF7}"/>
+                <a16:creationId xmlns:a16="http://schemas.microsoft.com/office/drawing/2014/main" id="{9002A1BC-7E07-E3F3-1DBF-32A238A9A39F}"/>
               </a:ext>
             </a:extLst>
           </p:cNvPr>
@@ -2003,7 +2003,7 @@
           <a:bodyPr/>
           <a:lstStyle/>
           <a:p>
-            <a:fld id="{B26AB1D2-FEE7-4D85-89A9-D89E573BCD5A}" type="slidenum">
+            <a:fld id="{AB5645B0-154C-4C21-B4DD-FB79E5A0F8DF}" type="slidenum">
               <a:rPr lang="zh-CN" altLang="en-US" smtClean="0"/>
               <a:t>‹#›</a:t>
             </a:fld>
@@ -2014,7 +2014,7 @@
     </p:spTree>
     <p:extLst>
       <p:ext uri="{BB962C8B-B14F-4D97-AF65-F5344CB8AC3E}">
-        <p14:creationId xmlns:p14="http://schemas.microsoft.com/office/powerpoint/2010/main" val="1323582926"/>
+        <p14:creationId xmlns:p14="http://schemas.microsoft.com/office/powerpoint/2010/main" val="3175254553"/>
       </p:ext>
     </p:extLst>
   </p:cSld>
@@ -2046,7 +2046,7 @@
           <p:cNvPr id="2" name="日期占位符 1">
             <a:extLst>
               <a:ext uri="{FF2B5EF4-FFF2-40B4-BE49-F238E27FC236}">
-                <a16:creationId xmlns:a16="http://schemas.microsoft.com/office/drawing/2014/main" id="{8E5D193F-B257-2488-32D5-9B2FFF65524D}"/>
+                <a16:creationId xmlns:a16="http://schemas.microsoft.com/office/drawing/2014/main" id="{AA9A7247-C942-0551-2410-EFFCAAF8D00C}"/>
               </a:ext>
             </a:extLst>
           </p:cNvPr>
@@ -2062,7 +2062,7 @@
           <a:bodyPr/>
           <a:lstStyle/>
           <a:p>
-            <a:fld id="{BFE63CEB-29A3-4F6A-9070-5F430FBB01CC}" type="datetimeFigureOut">
+            <a:fld id="{44E7D590-2C16-47A6-84A8-C2FEA553544A}" type="datetimeFigureOut">
               <a:rPr lang="zh-CN" altLang="en-US" smtClean="0"/>
               <a:t>2024/3/10</a:t>
             </a:fld>
@@ -2075,7 +2075,7 @@
           <p:cNvPr id="3" name="页脚占位符 2">
             <a:extLst>
               <a:ext uri="{FF2B5EF4-FFF2-40B4-BE49-F238E27FC236}">
-                <a16:creationId xmlns:a16="http://schemas.microsoft.com/office/drawing/2014/main" id="{73463875-E3B1-AF5B-A58E-60A324003687}"/>
+                <a16:creationId xmlns:a16="http://schemas.microsoft.com/office/drawing/2014/main" id="{0B3573E0-E040-FFBE-D2D2-B16895F61336}"/>
               </a:ext>
             </a:extLst>
           </p:cNvPr>
@@ -2100,7 +2100,7 @@
           <p:cNvPr id="4" name="灯片编号占位符 3">
             <a:extLst>
               <a:ext uri="{FF2B5EF4-FFF2-40B4-BE49-F238E27FC236}">
-                <a16:creationId xmlns:a16="http://schemas.microsoft.com/office/drawing/2014/main" id="{7C11280C-033D-A903-868B-CFD6080DCB3A}"/>
+                <a16:creationId xmlns:a16="http://schemas.microsoft.com/office/drawing/2014/main" id="{A729FF2A-310D-FD68-925B-D19DBF2F4EB8}"/>
               </a:ext>
             </a:extLst>
           </p:cNvPr>
@@ -2116,7 +2116,7 @@
           <a:bodyPr/>
           <a:lstStyle/>
           <a:p>
-            <a:fld id="{B26AB1D2-FEE7-4D85-89A9-D89E573BCD5A}" type="slidenum">
+            <a:fld id="{AB5645B0-154C-4C21-B4DD-FB79E5A0F8DF}" type="slidenum">
               <a:rPr lang="zh-CN" altLang="en-US" smtClean="0"/>
               <a:t>‹#›</a:t>
             </a:fld>
@@ -2127,7 +2127,7 @@
     </p:spTree>
     <p:extLst>
       <p:ext uri="{BB962C8B-B14F-4D97-AF65-F5344CB8AC3E}">
-        <p14:creationId xmlns:p14="http://schemas.microsoft.com/office/powerpoint/2010/main" val="1172953510"/>
+        <p14:creationId xmlns:p14="http://schemas.microsoft.com/office/powerpoint/2010/main" val="552470360"/>
       </p:ext>
     </p:extLst>
   </p:cSld>
@@ -2159,7 +2159,7 @@
           <p:cNvPr id="2" name="标题 1">
             <a:extLst>
               <a:ext uri="{FF2B5EF4-FFF2-40B4-BE49-F238E27FC236}">
-                <a16:creationId xmlns:a16="http://schemas.microsoft.com/office/drawing/2014/main" id="{C0C5DD19-227F-8A7C-6235-1B34D14DC5DA}"/>
+                <a16:creationId xmlns:a16="http://schemas.microsoft.com/office/drawing/2014/main" id="{64DB5003-896D-F2C8-78BC-AA26460F9A83}"/>
               </a:ext>
             </a:extLst>
           </p:cNvPr>
@@ -2196,7 +2196,7 @@
           <p:cNvPr id="3" name="内容占位符 2">
             <a:extLst>
               <a:ext uri="{FF2B5EF4-FFF2-40B4-BE49-F238E27FC236}">
-                <a16:creationId xmlns:a16="http://schemas.microsoft.com/office/drawing/2014/main" id="{A2181E3A-EAB2-7477-9D6A-D0D2AAC8FEAD}"/>
+                <a16:creationId xmlns:a16="http://schemas.microsoft.com/office/drawing/2014/main" id="{703F9D81-186A-EC18-7A87-5622C71BAEF7}"/>
               </a:ext>
             </a:extLst>
           </p:cNvPr>
@@ -2286,7 +2286,7 @@
           <p:cNvPr id="4" name="文本占位符 3">
             <a:extLst>
               <a:ext uri="{FF2B5EF4-FFF2-40B4-BE49-F238E27FC236}">
-                <a16:creationId xmlns:a16="http://schemas.microsoft.com/office/drawing/2014/main" id="{0196D4A8-38B7-E9F6-C140-FE71BBF200C7}"/>
+                <a16:creationId xmlns:a16="http://schemas.microsoft.com/office/drawing/2014/main" id="{D5F7AC24-858C-0613-5606-42F8003BC1E1}"/>
               </a:ext>
             </a:extLst>
           </p:cNvPr>
@@ -2357,7 +2357,7 @@
           <p:cNvPr id="5" name="日期占位符 4">
             <a:extLst>
               <a:ext uri="{FF2B5EF4-FFF2-40B4-BE49-F238E27FC236}">
-                <a16:creationId xmlns:a16="http://schemas.microsoft.com/office/drawing/2014/main" id="{535F3E70-A14E-5E6E-1885-6A459775FC4B}"/>
+                <a16:creationId xmlns:a16="http://schemas.microsoft.com/office/drawing/2014/main" id="{B60A66A3-B151-1E12-A653-E8E5C1BA532D}"/>
               </a:ext>
             </a:extLst>
           </p:cNvPr>
@@ -2373,7 +2373,7 @@
           <a:bodyPr/>
           <a:lstStyle/>
           <a:p>
-            <a:fld id="{BFE63CEB-29A3-4F6A-9070-5F430FBB01CC}" type="datetimeFigureOut">
+            <a:fld id="{44E7D590-2C16-47A6-84A8-C2FEA553544A}" type="datetimeFigureOut">
               <a:rPr lang="zh-CN" altLang="en-US" smtClean="0"/>
               <a:t>2024/3/10</a:t>
             </a:fld>
@@ -2386,7 +2386,7 @@
           <p:cNvPr id="6" name="页脚占位符 5">
             <a:extLst>
               <a:ext uri="{FF2B5EF4-FFF2-40B4-BE49-F238E27FC236}">
-                <a16:creationId xmlns:a16="http://schemas.microsoft.com/office/drawing/2014/main" id="{A22D3E77-6AF7-7D59-91B6-933178585DA5}"/>
+                <a16:creationId xmlns:a16="http://schemas.microsoft.com/office/drawing/2014/main" id="{AF2F22CC-817C-643A-7CFA-F03976819173}"/>
               </a:ext>
             </a:extLst>
           </p:cNvPr>
@@ -2411,7 +2411,7 @@
           <p:cNvPr id="7" name="灯片编号占位符 6">
             <a:extLst>
               <a:ext uri="{FF2B5EF4-FFF2-40B4-BE49-F238E27FC236}">
-                <a16:creationId xmlns:a16="http://schemas.microsoft.com/office/drawing/2014/main" id="{30B09618-BBFF-F6F8-2D8B-7F48891B992E}"/>
+                <a16:creationId xmlns:a16="http://schemas.microsoft.com/office/drawing/2014/main" id="{5403370E-B0DA-628F-4B60-F3802805E2E1}"/>
               </a:ext>
             </a:extLst>
           </p:cNvPr>
@@ -2427,7 +2427,7 @@
           <a:bodyPr/>
           <a:lstStyle/>
           <a:p>
-            <a:fld id="{B26AB1D2-FEE7-4D85-89A9-D89E573BCD5A}" type="slidenum">
+            <a:fld id="{AB5645B0-154C-4C21-B4DD-FB79E5A0F8DF}" type="slidenum">
               <a:rPr lang="zh-CN" altLang="en-US" smtClean="0"/>
               <a:t>‹#›</a:t>
             </a:fld>
@@ -2438,7 +2438,7 @@
     </p:spTree>
     <p:extLst>
       <p:ext uri="{BB962C8B-B14F-4D97-AF65-F5344CB8AC3E}">
-        <p14:creationId xmlns:p14="http://schemas.microsoft.com/office/powerpoint/2010/main" val="2155921962"/>
+        <p14:creationId xmlns:p14="http://schemas.microsoft.com/office/powerpoint/2010/main" val="874697997"/>
       </p:ext>
     </p:extLst>
   </p:cSld>
@@ -2470,7 +2470,7 @@
           <p:cNvPr id="2" name="标题 1">
             <a:extLst>
               <a:ext uri="{FF2B5EF4-FFF2-40B4-BE49-F238E27FC236}">
-                <a16:creationId xmlns:a16="http://schemas.microsoft.com/office/drawing/2014/main" id="{25B4E54D-27E9-3050-3D10-245F43FF6E04}"/>
+                <a16:creationId xmlns:a16="http://schemas.microsoft.com/office/drawing/2014/main" id="{8AE9A4FE-C0B3-A63F-93D7-ABA3F361402B}"/>
               </a:ext>
             </a:extLst>
           </p:cNvPr>
@@ -2507,7 +2507,7 @@
           <p:cNvPr id="3" name="图片占位符 2">
             <a:extLst>
               <a:ext uri="{FF2B5EF4-FFF2-40B4-BE49-F238E27FC236}">
-                <a16:creationId xmlns:a16="http://schemas.microsoft.com/office/drawing/2014/main" id="{EEB4FDC1-909F-B961-D629-7727D7586763}"/>
+                <a16:creationId xmlns:a16="http://schemas.microsoft.com/office/drawing/2014/main" id="{B62735AB-9968-0A4D-7533-24411343848B}"/>
               </a:ext>
             </a:extLst>
           </p:cNvPr>
@@ -2574,7 +2574,7 @@
           <p:cNvPr id="4" name="文本占位符 3">
             <a:extLst>
               <a:ext uri="{FF2B5EF4-FFF2-40B4-BE49-F238E27FC236}">
-                <a16:creationId xmlns:a16="http://schemas.microsoft.com/office/drawing/2014/main" id="{F05C004F-C6A1-D455-DA47-CB3457A78359}"/>
+                <a16:creationId xmlns:a16="http://schemas.microsoft.com/office/drawing/2014/main" id="{CB3501C3-C69C-7CE0-1D15-F66D807AC0E9}"/>
               </a:ext>
             </a:extLst>
           </p:cNvPr>
@@ -2645,7 +2645,7 @@
           <p:cNvPr id="5" name="日期占位符 4">
             <a:extLst>
               <a:ext uri="{FF2B5EF4-FFF2-40B4-BE49-F238E27FC236}">
-                <a16:creationId xmlns:a16="http://schemas.microsoft.com/office/drawing/2014/main" id="{8235BC1F-E6C1-4EF8-FA45-49ACD70482DD}"/>
+                <a16:creationId xmlns:a16="http://schemas.microsoft.com/office/drawing/2014/main" id="{4FC89D43-535F-1158-6F24-D94E78EB9B9B}"/>
               </a:ext>
             </a:extLst>
           </p:cNvPr>
@@ -2661,7 +2661,7 @@
           <a:bodyPr/>
           <a:lstStyle/>
           <a:p>
-            <a:fld id="{BFE63CEB-29A3-4F6A-9070-5F430FBB01CC}" type="datetimeFigureOut">
+            <a:fld id="{44E7D590-2C16-47A6-84A8-C2FEA553544A}" type="datetimeFigureOut">
               <a:rPr lang="zh-CN" altLang="en-US" smtClean="0"/>
               <a:t>2024/3/10</a:t>
             </a:fld>
@@ -2674,7 +2674,7 @@
           <p:cNvPr id="6" name="页脚占位符 5">
             <a:extLst>
               <a:ext uri="{FF2B5EF4-FFF2-40B4-BE49-F238E27FC236}">
-                <a16:creationId xmlns:a16="http://schemas.microsoft.com/office/drawing/2014/main" id="{6AB88E2A-CFA6-DB7D-E89C-ED8510F5A6C9}"/>
+                <a16:creationId xmlns:a16="http://schemas.microsoft.com/office/drawing/2014/main" id="{2C8B524F-DA38-C87E-A1C1-E047F8DCB622}"/>
               </a:ext>
             </a:extLst>
           </p:cNvPr>
@@ -2699,7 +2699,7 @@
           <p:cNvPr id="7" name="灯片编号占位符 6">
             <a:extLst>
               <a:ext uri="{FF2B5EF4-FFF2-40B4-BE49-F238E27FC236}">
-                <a16:creationId xmlns:a16="http://schemas.microsoft.com/office/drawing/2014/main" id="{552D91FA-C368-B64C-E946-D3D66D5D55A9}"/>
+                <a16:creationId xmlns:a16="http://schemas.microsoft.com/office/drawing/2014/main" id="{C4BDAC71-134F-67B0-6C80-6DF725718964}"/>
               </a:ext>
             </a:extLst>
           </p:cNvPr>
@@ -2715,7 +2715,7 @@
           <a:bodyPr/>
           <a:lstStyle/>
           <a:p>
-            <a:fld id="{B26AB1D2-FEE7-4D85-89A9-D89E573BCD5A}" type="slidenum">
+            <a:fld id="{AB5645B0-154C-4C21-B4DD-FB79E5A0F8DF}" type="slidenum">
               <a:rPr lang="zh-CN" altLang="en-US" smtClean="0"/>
               <a:t>‹#›</a:t>
             </a:fld>
@@ -2726,7 +2726,7 @@
     </p:spTree>
     <p:extLst>
       <p:ext uri="{BB962C8B-B14F-4D97-AF65-F5344CB8AC3E}">
-        <p14:creationId xmlns:p14="http://schemas.microsoft.com/office/powerpoint/2010/main" val="1677487375"/>
+        <p14:creationId xmlns:p14="http://schemas.microsoft.com/office/powerpoint/2010/main" val="2671908699"/>
       </p:ext>
     </p:extLst>
   </p:cSld>
@@ -2763,7 +2763,7 @@
           <p:cNvPr id="2" name="标题占位符 1">
             <a:extLst>
               <a:ext uri="{FF2B5EF4-FFF2-40B4-BE49-F238E27FC236}">
-                <a16:creationId xmlns:a16="http://schemas.microsoft.com/office/drawing/2014/main" id="{6A652CCF-829A-6757-2067-09348EC6E3E9}"/>
+                <a16:creationId xmlns:a16="http://schemas.microsoft.com/office/drawing/2014/main" id="{510109FD-721A-6DB8-7F11-C147207DDCF3}"/>
               </a:ext>
             </a:extLst>
           </p:cNvPr>
@@ -2801,7 +2801,7 @@
           <p:cNvPr id="3" name="文本占位符 2">
             <a:extLst>
               <a:ext uri="{FF2B5EF4-FFF2-40B4-BE49-F238E27FC236}">
-                <a16:creationId xmlns:a16="http://schemas.microsoft.com/office/drawing/2014/main" id="{E3705B20-3AD2-2761-AE92-1E8EB78C6257}"/>
+                <a16:creationId xmlns:a16="http://schemas.microsoft.com/office/drawing/2014/main" id="{AD14BA74-A715-77C2-CFF8-FDFF96FC8ABF}"/>
               </a:ext>
             </a:extLst>
           </p:cNvPr>
@@ -2868,7 +2868,7 @@
           <p:cNvPr id="4" name="日期占位符 3">
             <a:extLst>
               <a:ext uri="{FF2B5EF4-FFF2-40B4-BE49-F238E27FC236}">
-                <a16:creationId xmlns:a16="http://schemas.microsoft.com/office/drawing/2014/main" id="{25E92276-7B76-1697-AB16-520CF9B54922}"/>
+                <a16:creationId xmlns:a16="http://schemas.microsoft.com/office/drawing/2014/main" id="{DE56063D-D50A-81D5-6914-D06E24C08755}"/>
               </a:ext>
             </a:extLst>
           </p:cNvPr>
@@ -2902,7 +2902,7 @@
             </a:lvl1pPr>
           </a:lstStyle>
           <a:p>
-            <a:fld id="{BFE63CEB-29A3-4F6A-9070-5F430FBB01CC}" type="datetimeFigureOut">
+            <a:fld id="{44E7D590-2C16-47A6-84A8-C2FEA553544A}" type="datetimeFigureOut">
               <a:rPr lang="zh-CN" altLang="en-US" smtClean="0"/>
               <a:t>2024/3/10</a:t>
             </a:fld>
@@ -2915,7 +2915,7 @@
           <p:cNvPr id="5" name="页脚占位符 4">
             <a:extLst>
               <a:ext uri="{FF2B5EF4-FFF2-40B4-BE49-F238E27FC236}">
-                <a16:creationId xmlns:a16="http://schemas.microsoft.com/office/drawing/2014/main" id="{86BCAAEA-388D-FEA1-2F7A-9CAAA6977663}"/>
+                <a16:creationId xmlns:a16="http://schemas.microsoft.com/office/drawing/2014/main" id="{C6CCDC8E-7534-8293-FEFD-442B2AEAEC52}"/>
               </a:ext>
             </a:extLst>
           </p:cNvPr>
@@ -2958,7 +2958,7 @@
           <p:cNvPr id="6" name="灯片编号占位符 5">
             <a:extLst>
               <a:ext uri="{FF2B5EF4-FFF2-40B4-BE49-F238E27FC236}">
-                <a16:creationId xmlns:a16="http://schemas.microsoft.com/office/drawing/2014/main" id="{E59C5422-2103-E385-4C83-2E9E14E5F269}"/>
+                <a16:creationId xmlns:a16="http://schemas.microsoft.com/office/drawing/2014/main" id="{AE5330F5-9F1F-EA0A-6A46-E4EF82F748E8}"/>
               </a:ext>
             </a:extLst>
           </p:cNvPr>
@@ -2992,7 +2992,7 @@
             </a:lvl1pPr>
           </a:lstStyle>
           <a:p>
-            <a:fld id="{B26AB1D2-FEE7-4D85-89A9-D89E573BCD5A}" type="slidenum">
+            <a:fld id="{AB5645B0-154C-4C21-B4DD-FB79E5A0F8DF}" type="slidenum">
               <a:rPr lang="zh-CN" altLang="en-US" smtClean="0"/>
               <a:t>‹#›</a:t>
             </a:fld>
@@ -3003,7 +3003,7 @@
     </p:spTree>
     <p:extLst>
       <p:ext uri="{BB962C8B-B14F-4D97-AF65-F5344CB8AC3E}">
-        <p14:creationId xmlns:p14="http://schemas.microsoft.com/office/powerpoint/2010/main" val="1447002685"/>
+        <p14:creationId xmlns:p14="http://schemas.microsoft.com/office/powerpoint/2010/main" val="2608887589"/>
       </p:ext>
     </p:extLst>
   </p:cSld>
